--- a/QUIZE_PROJECT_PRESENTATION.pptx
+++ b/QUIZE_PROJECT_PRESENTATION.pptx
@@ -197,54 +197,6 @@
           <pc:docMk/>
           <pc:sldMk cId="0" sldId="260"/>
         </pc:sldMkLst>
-        <pc:spChg chg="add del mod">
-          <ac:chgData name="sugumaran s" userId="3f1b4bce5d565333" providerId="LiveId" clId="{1BAB51E0-6DE3-4408-864F-3E6E7CFAE492}" dt="2025-08-30T09:56:25.865" v="267" actId="478"/>
-          <ac:spMkLst>
-            <pc:docMk/>
-            <pc:sldMk cId="0" sldId="260"/>
-            <ac:spMk id="9" creationId="{789C7A9A-05ED-968A-D189-114C50094EF6}"/>
-          </ac:spMkLst>
-        </pc:spChg>
-        <pc:spChg chg="add del mod">
-          <ac:chgData name="sugumaran s" userId="3f1b4bce5d565333" providerId="LiveId" clId="{1BAB51E0-6DE3-4408-864F-3E6E7CFAE492}" dt="2025-08-30T10:00:55.869" v="338" actId="478"/>
-          <ac:spMkLst>
-            <pc:docMk/>
-            <pc:sldMk cId="0" sldId="260"/>
-            <ac:spMk id="11" creationId="{CAA31C2B-D303-EC32-FEFE-8014F995A092}"/>
-          </ac:spMkLst>
-        </pc:spChg>
-        <pc:spChg chg="add del mod">
-          <ac:chgData name="sugumaran s" userId="3f1b4bce5d565333" providerId="LiveId" clId="{1BAB51E0-6DE3-4408-864F-3E6E7CFAE492}" dt="2025-08-30T10:01:16.722" v="343"/>
-          <ac:spMkLst>
-            <pc:docMk/>
-            <pc:sldMk cId="0" sldId="260"/>
-            <ac:spMk id="12" creationId="{6224FE9D-8327-075E-ED30-B1923BBC0816}"/>
-          </ac:spMkLst>
-        </pc:spChg>
-        <pc:spChg chg="add del mod">
-          <ac:chgData name="sugumaran s" userId="3f1b4bce5d565333" providerId="LiveId" clId="{1BAB51E0-6DE3-4408-864F-3E6E7CFAE492}" dt="2025-08-30T10:03:14.319" v="492"/>
-          <ac:spMkLst>
-            <pc:docMk/>
-            <pc:sldMk cId="0" sldId="260"/>
-            <ac:spMk id="13" creationId="{678C0CC4-8879-A8DA-795E-5DF8A94D155C}"/>
-          </ac:spMkLst>
-        </pc:spChg>
-        <pc:spChg chg="add del mod">
-          <ac:chgData name="sugumaran s" userId="3f1b4bce5d565333" providerId="LiveId" clId="{1BAB51E0-6DE3-4408-864F-3E6E7CFAE492}" dt="2025-08-30T10:03:14.324" v="494"/>
-          <ac:spMkLst>
-            <pc:docMk/>
-            <pc:sldMk cId="0" sldId="260"/>
-            <ac:spMk id="14" creationId="{DCC24905-DEFB-0882-1C3C-33931C12301D}"/>
-          </ac:spMkLst>
-        </pc:spChg>
-        <pc:spChg chg="add mod">
-          <ac:chgData name="sugumaran s" userId="3f1b4bce5d565333" providerId="LiveId" clId="{1BAB51E0-6DE3-4408-864F-3E6E7CFAE492}" dt="2025-08-30T10:01:59.607" v="350"/>
-          <ac:spMkLst>
-            <pc:docMk/>
-            <pc:sldMk cId="0" sldId="260"/>
-            <ac:spMk id="15" creationId="{CCA55A76-310A-D7BD-0543-FABD482F62F2}"/>
-          </ac:spMkLst>
-        </pc:spChg>
         <pc:spChg chg="add mod">
           <ac:chgData name="sugumaran s" userId="3f1b4bce5d565333" providerId="LiveId" clId="{1BAB51E0-6DE3-4408-864F-3E6E7CFAE492}" dt="2025-08-30T10:04:53.734" v="503" actId="6549"/>
           <ac:spMkLst>
@@ -259,14 +211,6 @@
             <pc:docMk/>
             <pc:sldMk cId="0" sldId="260"/>
             <ac:spMk id="18" creationId="{8F6E971B-16C2-4C51-AE07-264F8DD04D9A}"/>
-          </ac:spMkLst>
-        </pc:spChg>
-        <pc:spChg chg="add del mod">
-          <ac:chgData name="sugumaran s" userId="3f1b4bce5d565333" providerId="LiveId" clId="{1BAB51E0-6DE3-4408-864F-3E6E7CFAE492}" dt="2025-08-30T10:05:07.818" v="510"/>
-          <ac:spMkLst>
-            <pc:docMk/>
-            <pc:sldMk cId="0" sldId="260"/>
-            <ac:spMk id="19" creationId="{719D3D59-67D3-0399-534D-F06F1D9CE1B9}"/>
           </ac:spMkLst>
         </pc:spChg>
         <pc:spChg chg="add mod">
@@ -346,14 +290,6 @@
             <ac:picMk id="13" creationId="{B75F1B6D-A4E5-9817-B286-5B424F60288E}"/>
           </ac:picMkLst>
         </pc:picChg>
-        <pc:picChg chg="add del mod">
-          <ac:chgData name="sugumaran s" userId="3f1b4bce5d565333" providerId="LiveId" clId="{1BAB51E0-6DE3-4408-864F-3E6E7CFAE492}" dt="2025-08-31T05:25:55.021" v="626" actId="21"/>
-          <ac:picMkLst>
-            <pc:docMk/>
-            <pc:sldMk cId="0" sldId="263"/>
-            <ac:picMk id="15" creationId="{54B3B4B1-CDE3-F0CA-CE02-EA666E8EE729}"/>
-          </ac:picMkLst>
-        </pc:picChg>
         <pc:picChg chg="add mod">
           <ac:chgData name="sugumaran s" userId="3f1b4bce5d565333" providerId="LiveId" clId="{1BAB51E0-6DE3-4408-864F-3E6E7CFAE492}" dt="2025-08-31T05:28:59.192" v="630" actId="1076"/>
           <ac:picMkLst>
@@ -369,14 +305,6 @@
           <pc:docMk/>
           <pc:sldMk cId="0" sldId="264"/>
         </pc:sldMkLst>
-        <pc:spChg chg="add del mod">
-          <ac:chgData name="sugumaran s" userId="3f1b4bce5d565333" providerId="LiveId" clId="{1BAB51E0-6DE3-4408-864F-3E6E7CFAE492}" dt="2025-08-30T10:11:21.763" v="547"/>
-          <ac:spMkLst>
-            <pc:docMk/>
-            <pc:sldMk cId="0" sldId="264"/>
-            <ac:spMk id="2" creationId="{7895F8CC-3E00-AD96-F304-2D3A98734B38}"/>
-          </ac:spMkLst>
-        </pc:spChg>
         <pc:spChg chg="add mod">
           <ac:chgData name="sugumaran s" userId="3f1b4bce5d565333" providerId="LiveId" clId="{1BAB51E0-6DE3-4408-864F-3E6E7CFAE492}" dt="2025-08-30T10:11:17.343" v="545" actId="20577"/>
           <ac:spMkLst>
@@ -392,14 +320,6 @@
           <pc:docMk/>
           <pc:sldMk cId="0" sldId="265"/>
         </pc:sldMkLst>
-        <pc:spChg chg="add del mod">
-          <ac:chgData name="sugumaran s" userId="3f1b4bce5d565333" providerId="LiveId" clId="{1BAB51E0-6DE3-4408-864F-3E6E7CFAE492}" dt="2025-08-30T10:16:22.015" v="567"/>
-          <ac:spMkLst>
-            <pc:docMk/>
-            <pc:sldMk cId="0" sldId="265"/>
-            <ac:spMk id="2" creationId="{F5F74ECF-A815-A345-DA4D-F4FDB68F6F51}"/>
-          </ac:spMkLst>
-        </pc:spChg>
         <pc:spChg chg="add mod">
           <ac:chgData name="sugumaran s" userId="3f1b4bce5d565333" providerId="LiveId" clId="{1BAB51E0-6DE3-4408-864F-3E6E7CFAE492}" dt="2025-08-30T10:17:38.437" v="578" actId="1076"/>
           <ac:spMkLst>
@@ -415,14 +335,6 @@
           <pc:docMk/>
           <pc:sldMk cId="2720660618" sldId="269"/>
         </pc:sldMkLst>
-        <pc:spChg chg="add del mod">
-          <ac:chgData name="sugumaran s" userId="3f1b4bce5d565333" providerId="LiveId" clId="{1BAB51E0-6DE3-4408-864F-3E6E7CFAE492}" dt="2025-08-30T10:18:18.906" v="581"/>
-          <ac:spMkLst>
-            <pc:docMk/>
-            <pc:sldMk cId="2720660618" sldId="269"/>
-            <ac:spMk id="3" creationId="{3E000517-A3F2-8533-541F-E7B1B87FDC8C}"/>
-          </ac:spMkLst>
-        </pc:spChg>
         <pc:spChg chg="add mod">
           <ac:chgData name="sugumaran s" userId="3f1b4bce5d565333" providerId="LiveId" clId="{1BAB51E0-6DE3-4408-864F-3E6E7CFAE492}" dt="2025-08-30T12:48:10.949" v="602" actId="20577"/>
           <ac:spMkLst>
@@ -445,6 +357,30 @@
           <pc:docMk/>
           <pc:sldMk cId="1547848417" sldId="270"/>
         </pc:sldMkLst>
+      </pc:sldChg>
+    </pc:docChg>
+  </pc:docChgLst>
+  <pc:docChgLst>
+    <pc:chgData name="sugumaran s" userId="3f1b4bce5d565333" providerId="LiveId" clId="{AC0B645A-CDC9-4B36-9619-99E6BB547883}"/>
+    <pc:docChg chg="modSld">
+      <pc:chgData name="sugumaran s" userId="3f1b4bce5d565333" providerId="LiveId" clId="{AC0B645A-CDC9-4B36-9619-99E6BB547883}" dt="2025-09-02T07:24:37.346" v="37" actId="20577"/>
+      <pc:docMkLst>
+        <pc:docMk/>
+      </pc:docMkLst>
+      <pc:sldChg chg="modSp mod">
+        <pc:chgData name="sugumaran s" userId="3f1b4bce5d565333" providerId="LiveId" clId="{AC0B645A-CDC9-4B36-9619-99E6BB547883}" dt="2025-09-02T07:24:37.346" v="37" actId="20577"/>
+        <pc:sldMkLst>
+          <pc:docMk/>
+          <pc:sldMk cId="0" sldId="256"/>
+        </pc:sldMkLst>
+        <pc:spChg chg="mod">
+          <ac:chgData name="sugumaran s" userId="3f1b4bce5d565333" providerId="LiveId" clId="{AC0B645A-CDC9-4B36-9619-99E6BB547883}" dt="2025-09-02T07:24:37.346" v="37" actId="20577"/>
+          <ac:spMkLst>
+            <pc:docMk/>
+            <pc:sldMk cId="0" sldId="256"/>
+            <ac:spMk id="14" creationId="{D55ADE35-C35B-07C1-F5AA-C33B3DDB802E}"/>
+          </ac:spMkLst>
+        </pc:spChg>
       </pc:sldChg>
     </pc:docChg>
   </pc:docChgLst>
@@ -533,7 +469,7 @@
           <a:p>
             <a:fld id="{84B86612-B127-4CD0-BF15-66D49A7175F7}" type="datetimeFigureOut">
               <a:rPr lang="en-IN" smtClean="0"/>
-              <a:t>31-08-2025</a:t>
+              <a:t>02-09-2025</a:t>
             </a:fld>
             <a:endParaRPr lang="en-IN"/>
           </a:p>
@@ -1030,7 +966,7 @@
           <a:p>
             <a:fld id="{1D8BD707-D9CF-40AE-B4C6-C98DA3205C09}" type="datetimeFigureOut">
               <a:rPr lang="en-US"/>
-              <a:t>8/31/2025</a:t>
+              <a:t>9/2/2025</a:t>
             </a:fld>
             <a:endParaRPr lang="en-US"/>
           </a:p>
@@ -1210,7 +1146,7 @@
           <a:p>
             <a:fld id="{1D8BD707-D9CF-40AE-B4C6-C98DA3205C09}" type="datetimeFigureOut">
               <a:rPr lang="en-US"/>
-              <a:t>8/31/2025</a:t>
+              <a:t>9/2/2025</a:t>
             </a:fld>
             <a:endParaRPr lang="en-US"/>
           </a:p>
@@ -1433,7 +1369,7 @@
           <a:p>
             <a:fld id="{1D8BD707-D9CF-40AE-B4C6-C98DA3205C09}" type="datetimeFigureOut">
               <a:rPr lang="en-US"/>
-              <a:t>8/31/2025</a:t>
+              <a:t>9/2/2025</a:t>
             </a:fld>
             <a:endParaRPr lang="en-US"/>
           </a:p>
@@ -1590,7 +1526,7 @@
           <a:p>
             <a:fld id="{1D8BD707-D9CF-40AE-B4C6-C98DA3205C09}" type="datetimeFigureOut">
               <a:rPr lang="en-US"/>
-              <a:t>8/31/2025</a:t>
+              <a:t>9/2/2025</a:t>
             </a:fld>
             <a:endParaRPr lang="en-US"/>
           </a:p>
@@ -1718,7 +1654,7 @@
           <a:p>
             <a:fld id="{1D8BD707-D9CF-40AE-B4C6-C98DA3205C09}" type="datetimeFigureOut">
               <a:rPr lang="en-US"/>
-              <a:t>8/31/2025</a:t>
+              <a:t>9/2/2025</a:t>
             </a:fld>
             <a:endParaRPr lang="en-US"/>
           </a:p>
@@ -2437,7 +2373,7 @@
           <a:p>
             <a:fld id="{1D8BD707-D9CF-40AE-B4C6-C98DA3205C09}" type="datetimeFigureOut">
               <a:rPr lang="en-US"/>
-              <a:t>8/31/2025</a:t>
+              <a:t>9/2/2025</a:t>
             </a:fld>
             <a:endParaRPr lang="en-US"/>
           </a:p>
@@ -3064,12 +3000,8 @@
               <a:t>REGISTER NO AND NMID  </a:t>
             </a:r>
             <a:r>
-              <a:rPr lang="en-US" sz="2400" dirty="0"/>
-              <a:t>:   </a:t>
-            </a:r>
-            <a:r>
-              <a:rPr lang="en-US" sz="2400" b="1" dirty="0"/>
-              <a:t>autanm22722724ucsc011</a:t>
+              <a:rPr lang="en-US" sz="2400"/>
+              <a:t>:   24132271802522011</a:t>
             </a:r>
             <a:endParaRPr lang="en-US" sz="2400" b="1" dirty="0">
               <a:cs typeface="Calibri"/>

--- a/QUIZE_PROJECT_PRESENTATION.pptx
+++ b/QUIZE_PROJECT_PRESENTATION.pptx
@@ -139,7 +139,7 @@
 <file path=ppt/revisionInfo.xml><?xml version="1.0" encoding="utf-8"?>
 <p1510:revInfo xmlns:a="http://schemas.openxmlformats.org/drawingml/2006/main" xmlns:r="http://schemas.openxmlformats.org/officeDocument/2006/relationships" xmlns:p1510="http://schemas.microsoft.com/office/powerpoint/2015/10/main">
   <p1510:revLst>
-    <p1510:client id="{1BAB51E0-6DE3-4408-864F-3E6E7CFAE492}" v="45" dt="2025-08-30T12:49:41.612"/>
+    <p1510:client id="{1BAB51E0-6DE3-4408-864F-3E6E7CFAE492}" v="48" dt="2025-09-03T00:43:50.253"/>
   </p1510:revLst>
 </p1510:revInfo>
 </file>
@@ -363,18 +363,18 @@
   <pc:docChgLst>
     <pc:chgData name="sugumaran s" userId="3f1b4bce5d565333" providerId="LiveId" clId="{AC0B645A-CDC9-4B36-9619-99E6BB547883}"/>
     <pc:docChg chg="modSld">
-      <pc:chgData name="sugumaran s" userId="3f1b4bce5d565333" providerId="LiveId" clId="{AC0B645A-CDC9-4B36-9619-99E6BB547883}" dt="2025-09-02T07:24:37.346" v="37" actId="20577"/>
+      <pc:chgData name="sugumaran s" userId="3f1b4bce5d565333" providerId="LiveId" clId="{AC0B645A-CDC9-4B36-9619-99E6BB547883}" dt="2025-09-03T00:47:44.504" v="259" actId="113"/>
       <pc:docMkLst>
         <pc:docMk/>
       </pc:docMkLst>
       <pc:sldChg chg="modSp mod">
-        <pc:chgData name="sugumaran s" userId="3f1b4bce5d565333" providerId="LiveId" clId="{AC0B645A-CDC9-4B36-9619-99E6BB547883}" dt="2025-09-02T07:24:37.346" v="37" actId="20577"/>
+        <pc:chgData name="sugumaran s" userId="3f1b4bce5d565333" providerId="LiveId" clId="{AC0B645A-CDC9-4B36-9619-99E6BB547883}" dt="2025-09-03T00:47:44.504" v="259" actId="113"/>
         <pc:sldMkLst>
           <pc:docMk/>
           <pc:sldMk cId="0" sldId="256"/>
         </pc:sldMkLst>
         <pc:spChg chg="mod">
-          <ac:chgData name="sugumaran s" userId="3f1b4bce5d565333" providerId="LiveId" clId="{AC0B645A-CDC9-4B36-9619-99E6BB547883}" dt="2025-09-02T07:24:37.346" v="37" actId="20577"/>
+          <ac:chgData name="sugumaran s" userId="3f1b4bce5d565333" providerId="LiveId" clId="{AC0B645A-CDC9-4B36-9619-99E6BB547883}" dt="2025-09-03T00:47:44.504" v="259" actId="113"/>
           <ac:spMkLst>
             <pc:docMk/>
             <pc:sldMk cId="0" sldId="256"/>
@@ -469,7 +469,7 @@
           <a:p>
             <a:fld id="{84B86612-B127-4CD0-BF15-66D49A7175F7}" type="datetimeFigureOut">
               <a:rPr lang="en-IN" smtClean="0"/>
-              <a:t>02-09-2025</a:t>
+              <a:t>03-09-2025</a:t>
             </a:fld>
             <a:endParaRPr lang="en-IN"/>
           </a:p>
@@ -966,7 +966,7 @@
           <a:p>
             <a:fld id="{1D8BD707-D9CF-40AE-B4C6-C98DA3205C09}" type="datetimeFigureOut">
               <a:rPr lang="en-US"/>
-              <a:t>9/2/2025</a:t>
+              <a:t>9/3/2025</a:t>
             </a:fld>
             <a:endParaRPr lang="en-US"/>
           </a:p>
@@ -1146,7 +1146,7 @@
           <a:p>
             <a:fld id="{1D8BD707-D9CF-40AE-B4C6-C98DA3205C09}" type="datetimeFigureOut">
               <a:rPr lang="en-US"/>
-              <a:t>9/2/2025</a:t>
+              <a:t>9/3/2025</a:t>
             </a:fld>
             <a:endParaRPr lang="en-US"/>
           </a:p>
@@ -1369,7 +1369,7 @@
           <a:p>
             <a:fld id="{1D8BD707-D9CF-40AE-B4C6-C98DA3205C09}" type="datetimeFigureOut">
               <a:rPr lang="en-US"/>
-              <a:t>9/2/2025</a:t>
+              <a:t>9/3/2025</a:t>
             </a:fld>
             <a:endParaRPr lang="en-US"/>
           </a:p>
@@ -1526,7 +1526,7 @@
           <a:p>
             <a:fld id="{1D8BD707-D9CF-40AE-B4C6-C98DA3205C09}" type="datetimeFigureOut">
               <a:rPr lang="en-US"/>
-              <a:t>9/2/2025</a:t>
+              <a:t>9/3/2025</a:t>
             </a:fld>
             <a:endParaRPr lang="en-US"/>
           </a:p>
@@ -1654,7 +1654,7 @@
           <a:p>
             <a:fld id="{1D8BD707-D9CF-40AE-B4C6-C98DA3205C09}" type="datetimeFigureOut">
               <a:rPr lang="en-US"/>
-              <a:t>9/2/2025</a:t>
+              <a:t>9/3/2025</a:t>
             </a:fld>
             <a:endParaRPr lang="en-US"/>
           </a:p>
@@ -2373,7 +2373,7 @@
           <a:p>
             <a:fld id="{1D8BD707-D9CF-40AE-B4C6-C98DA3205C09}" type="datetimeFigureOut">
               <a:rPr lang="en-US"/>
-              <a:t>9/2/2025</a:t>
+              <a:t>9/3/2025</a:t>
             </a:fld>
             <a:endParaRPr lang="en-US"/>
           </a:p>
@@ -2967,8 +2967,8 @@
         </p:nvSpPr>
         <p:spPr>
           <a:xfrm>
-            <a:off x="874202" y="3389679"/>
-            <a:ext cx="10708198" cy="1938992"/>
+            <a:off x="1219200" y="3230463"/>
+            <a:ext cx="10708198" cy="2308324"/>
           </a:xfrm>
           <a:prstGeom prst="rect">
             <a:avLst/>
@@ -2981,9 +2981,25 @@
           </a:bodyPr>
           <a:lstStyle/>
           <a:p>
+            <a:pPr algn="just"/>
             <a:r>
               <a:rPr lang="en-US" sz="2400" b="1" dirty="0"/>
-              <a:t>STUDENT NAME                  </a:t>
+              <a:t>STUDENT NAME                  :</a:t>
+            </a:r>
+            <a:r>
+              <a:rPr lang="en-US" sz="2400" dirty="0"/>
+              <a:t>   </a:t>
+            </a:r>
+            <a:r>
+              <a:rPr lang="en-US" sz="2400" b="1" dirty="0"/>
+              <a:t>A. FOWZIYA </a:t>
+            </a:r>
+          </a:p>
+          <a:p>
+            <a:pPr algn="just"/>
+            <a:r>
+              <a:rPr lang="en-US" sz="2400" b="1" dirty="0"/>
+              <a:t>REGISTER NO                        </a:t>
             </a:r>
             <a:r>
               <a:rPr lang="en-US" sz="2400" dirty="0"/>
@@ -2991,23 +3007,18 @@
             </a:r>
             <a:r>
               <a:rPr lang="en-US" sz="2400" b="1" dirty="0"/>
-              <a:t>A. FOWZIYA </a:t>
-            </a:r>
-          </a:p>
-          <a:p>
+              <a:t>24132271802522011</a:t>
+            </a:r>
+          </a:p>
+          <a:p>
+            <a:pPr algn="just"/>
             <a:r>
               <a:rPr lang="en-US" sz="2400" b="1" dirty="0"/>
-              <a:t>REGISTER NO AND NMID  </a:t>
-            </a:r>
-            <a:r>
-              <a:rPr lang="en-US" sz="2400"/>
-              <a:t>:   24132271802522011</a:t>
-            </a:r>
-            <a:endParaRPr lang="en-US" sz="2400" b="1" dirty="0">
-              <a:cs typeface="Calibri"/>
-            </a:endParaRPr>
-          </a:p>
-          <a:p>
+              <a:t>NMID                                     :  032E5128F988F8D85CD4C3A9F50A630</a:t>
+            </a:r>
+          </a:p>
+          <a:p>
+            <a:pPr algn="just"/>
             <a:r>
               <a:rPr lang="en-US" sz="2400" b="1" dirty="0"/>
               <a:t>DEPARTMENT                      </a:t>
@@ -3022,9 +3033,10 @@
             </a:r>
           </a:p>
           <a:p>
+            <a:pPr algn="just"/>
             <a:r>
               <a:rPr lang="en-US" sz="2400" b="1" dirty="0"/>
-              <a:t>COLLEGE                               :  GOVERNMENT ARTS AND SCIENCE COLLEGE , GINGEE</a:t>
+              <a:t>COLLEGE                               :   GOVERNMENT ARTS AND SCIENCE COLLEGE , GINGEE</a:t>
             </a:r>
           </a:p>
           <a:p>
